--- a/Trunk/Battle Cars.pptx
+++ b/Trunk/Battle Cars.pptx
@@ -497,6 +497,7 @@
           <a:p>
             <a:fld id="{998A6011-2B91-4E05-B7F3-854C9D12BA9E}" type="datetimeFigureOut">
               <a:rPr lang="en-US" smtClean="0"/>
+              <a:pPr/>
               <a:t>7/26/2011</a:t>
             </a:fld>
             <a:endParaRPr lang="en-US"/>
@@ -539,6 +540,7 @@
           <a:p>
             <a:fld id="{636F9914-BF59-4326-B851-AEF9302F70A4}" type="slidenum">
               <a:rPr lang="en-US" smtClean="0"/>
+              <a:pPr/>
               <a:t>‹#›</a:t>
             </a:fld>
             <a:endParaRPr lang="en-US"/>
@@ -662,6 +664,7 @@
           <a:p>
             <a:fld id="{998A6011-2B91-4E05-B7F3-854C9D12BA9E}" type="datetimeFigureOut">
               <a:rPr lang="en-US" smtClean="0"/>
+              <a:pPr/>
               <a:t>7/26/2011</a:t>
             </a:fld>
             <a:endParaRPr lang="en-US"/>
@@ -704,6 +707,7 @@
           <a:p>
             <a:fld id="{636F9914-BF59-4326-B851-AEF9302F70A4}" type="slidenum">
               <a:rPr lang="en-US" smtClean="0"/>
+              <a:pPr/>
               <a:t>‹#›</a:t>
             </a:fld>
             <a:endParaRPr lang="en-US"/>
@@ -837,6 +841,7 @@
           <a:p>
             <a:fld id="{998A6011-2B91-4E05-B7F3-854C9D12BA9E}" type="datetimeFigureOut">
               <a:rPr lang="en-US" smtClean="0"/>
+              <a:pPr/>
               <a:t>7/26/2011</a:t>
             </a:fld>
             <a:endParaRPr lang="en-US"/>
@@ -879,6 +884,7 @@
           <a:p>
             <a:fld id="{636F9914-BF59-4326-B851-AEF9302F70A4}" type="slidenum">
               <a:rPr lang="en-US" smtClean="0"/>
+              <a:pPr/>
               <a:t>‹#›</a:t>
             </a:fld>
             <a:endParaRPr lang="en-US"/>
@@ -1006,6 +1012,7 @@
           <a:p>
             <a:fld id="{998A6011-2B91-4E05-B7F3-854C9D12BA9E}" type="datetimeFigureOut">
               <a:rPr lang="en-US" smtClean="0"/>
+              <a:pPr/>
               <a:t>7/26/2011</a:t>
             </a:fld>
             <a:endParaRPr lang="en-US"/>
@@ -1048,6 +1055,7 @@
           <a:p>
             <a:fld id="{636F9914-BF59-4326-B851-AEF9302F70A4}" type="slidenum">
               <a:rPr lang="en-US" smtClean="0"/>
+              <a:pPr/>
               <a:t>‹#›</a:t>
             </a:fld>
             <a:endParaRPr lang="en-US"/>
@@ -1461,6 +1469,7 @@
           <a:p>
             <a:fld id="{998A6011-2B91-4E05-B7F3-854C9D12BA9E}" type="datetimeFigureOut">
               <a:rPr lang="en-US" smtClean="0"/>
+              <a:pPr/>
               <a:t>7/26/2011</a:t>
             </a:fld>
             <a:endParaRPr lang="en-US"/>
@@ -1503,6 +1512,7 @@
           <a:p>
             <a:fld id="{636F9914-BF59-4326-B851-AEF9302F70A4}" type="slidenum">
               <a:rPr lang="en-US" smtClean="0"/>
+              <a:pPr/>
               <a:t>‹#›</a:t>
             </a:fld>
             <a:endParaRPr lang="en-US"/>
@@ -1725,6 +1735,7 @@
           <a:p>
             <a:fld id="{998A6011-2B91-4E05-B7F3-854C9D12BA9E}" type="datetimeFigureOut">
               <a:rPr lang="en-US" smtClean="0"/>
+              <a:pPr/>
               <a:t>7/26/2011</a:t>
             </a:fld>
             <a:endParaRPr lang="en-US"/>
@@ -1767,6 +1778,7 @@
           <a:p>
             <a:fld id="{636F9914-BF59-4326-B851-AEF9302F70A4}" type="slidenum">
               <a:rPr lang="en-US" smtClean="0"/>
+              <a:pPr/>
               <a:t>‹#›</a:t>
             </a:fld>
             <a:endParaRPr lang="en-US"/>
@@ -2099,6 +2111,7 @@
           <a:p>
             <a:fld id="{998A6011-2B91-4E05-B7F3-854C9D12BA9E}" type="datetimeFigureOut">
               <a:rPr lang="en-US" smtClean="0"/>
+              <a:pPr/>
               <a:t>7/26/2011</a:t>
             </a:fld>
             <a:endParaRPr lang="en-US"/>
@@ -2141,6 +2154,7 @@
           <a:p>
             <a:fld id="{636F9914-BF59-4326-B851-AEF9302F70A4}" type="slidenum">
               <a:rPr lang="en-US" smtClean="0"/>
+              <a:pPr/>
               <a:t>‹#›</a:t>
             </a:fld>
             <a:endParaRPr lang="en-US"/>
@@ -2221,6 +2235,7 @@
           <a:p>
             <a:fld id="{998A6011-2B91-4E05-B7F3-854C9D12BA9E}" type="datetimeFigureOut">
               <a:rPr lang="en-US" smtClean="0"/>
+              <a:pPr/>
               <a:t>7/26/2011</a:t>
             </a:fld>
             <a:endParaRPr lang="en-US"/>
@@ -2244,6 +2259,7 @@
           <a:p>
             <a:fld id="{636F9914-BF59-4326-B851-AEF9302F70A4}" type="slidenum">
               <a:rPr lang="en-US" smtClean="0"/>
+              <a:pPr/>
               <a:t>‹#›</a:t>
             </a:fld>
             <a:endParaRPr lang="en-US"/>
@@ -2311,6 +2327,7 @@
           <a:p>
             <a:fld id="{998A6011-2B91-4E05-B7F3-854C9D12BA9E}" type="datetimeFigureOut">
               <a:rPr lang="en-US" smtClean="0"/>
+              <a:pPr/>
               <a:t>7/26/2011</a:t>
             </a:fld>
             <a:endParaRPr lang="en-US"/>
@@ -2353,6 +2370,7 @@
           <a:p>
             <a:fld id="{636F9914-BF59-4326-B851-AEF9302F70A4}" type="slidenum">
               <a:rPr lang="en-US" smtClean="0"/>
+              <a:pPr/>
               <a:t>‹#›</a:t>
             </a:fld>
             <a:endParaRPr lang="en-US"/>
@@ -2560,6 +2578,7 @@
           <a:p>
             <a:fld id="{998A6011-2B91-4E05-B7F3-854C9D12BA9E}" type="datetimeFigureOut">
               <a:rPr lang="en-US" smtClean="0"/>
+              <a:pPr/>
               <a:t>7/26/2011</a:t>
             </a:fld>
             <a:endParaRPr lang="en-US"/>
@@ -2607,6 +2626,7 @@
           <a:p>
             <a:fld id="{636F9914-BF59-4326-B851-AEF9302F70A4}" type="slidenum">
               <a:rPr lang="en-US" smtClean="0"/>
+              <a:pPr/>
               <a:t>‹#›</a:t>
             </a:fld>
             <a:endParaRPr lang="en-US"/>
@@ -2819,6 +2839,7 @@
           <a:p>
             <a:fld id="{998A6011-2B91-4E05-B7F3-854C9D12BA9E}" type="datetimeFigureOut">
               <a:rPr lang="en-US" smtClean="0"/>
+              <a:pPr/>
               <a:t>7/26/2011</a:t>
             </a:fld>
             <a:endParaRPr lang="en-US"/>
@@ -2861,6 +2882,7 @@
           <a:p>
             <a:fld id="{636F9914-BF59-4326-B851-AEF9302F70A4}" type="slidenum">
               <a:rPr lang="en-US" smtClean="0"/>
+              <a:pPr/>
               <a:t>‹#›</a:t>
             </a:fld>
             <a:endParaRPr lang="en-US"/>
@@ -3223,6 +3245,7 @@
           <a:p>
             <a:fld id="{998A6011-2B91-4E05-B7F3-854C9D12BA9E}" type="datetimeFigureOut">
               <a:rPr lang="en-US" smtClean="0"/>
+              <a:pPr/>
               <a:t>7/26/2011</a:t>
             </a:fld>
             <a:endParaRPr lang="en-US"/>
@@ -3301,6 +3324,7 @@
           <a:p>
             <a:fld id="{636F9914-BF59-4326-B851-AEF9302F70A4}" type="slidenum">
               <a:rPr lang="en-US" smtClean="0"/>
+              <a:pPr/>
               <a:t>‹#›</a:t>
             </a:fld>
             <a:endParaRPr lang="en-US"/>
@@ -3724,7 +3748,6 @@
               <a:rPr lang="en-US" sz="1600" dirty="0" smtClean="0"/>
               <a:t> –</a:t>
             </a:r>
-            <a:endParaRPr lang="en-US" sz="1600" dirty="0" smtClean="0"/>
           </a:p>
           <a:p>
             <a:pPr algn="ctr"/>
@@ -4170,11 +4193,7 @@
             <a:pPr algn="ctr"/>
             <a:r>
               <a:rPr lang="en-US" b="1" dirty="0" smtClean="0"/>
-              <a:t>Game Synopsis and wheel </a:t>
-            </a:r>
-            <a:r>
-              <a:rPr lang="en-US" b="1" dirty="0" smtClean="0"/>
-              <a:t>info</a:t>
+              <a:t>Game Synopsis and wheel info</a:t>
             </a:r>
             <a:endParaRPr lang="en-US" dirty="0"/>
           </a:p>
@@ -4200,50 +4219,26 @@
           <a:p>
             <a:r>
               <a:rPr lang="en-US" dirty="0" smtClean="0"/>
-              <a:t>Sprint </a:t>
-            </a:r>
+              <a:t>Sprint 1 – Feature Creep</a:t>
+            </a:r>
+          </a:p>
+          <a:p>
             <a:r>
               <a:rPr lang="en-US" dirty="0" smtClean="0"/>
-              <a:t>1 – </a:t>
-            </a:r>
+              <a:t>Sprint 2 – Team Swap</a:t>
+            </a:r>
+          </a:p>
+          <a:p>
             <a:r>
               <a:rPr lang="en-US" dirty="0" smtClean="0"/>
-              <a:t>Feature Creep</a:t>
-            </a:r>
-            <a:endParaRPr lang="en-US" dirty="0" smtClean="0"/>
+              <a:t>Sprint 3 – Advertisement</a:t>
+            </a:r>
           </a:p>
           <a:p>
             <a:r>
               <a:rPr lang="en-US" dirty="0" smtClean="0"/>
-              <a:t>Sprint 2 – </a:t>
-            </a:r>
-            <a:r>
-              <a:rPr lang="en-US" dirty="0" smtClean="0"/>
-              <a:t>Team Swap</a:t>
-            </a:r>
-            <a:endParaRPr lang="en-US" dirty="0" smtClean="0"/>
-          </a:p>
-          <a:p>
-            <a:r>
-              <a:rPr lang="en-US" dirty="0" smtClean="0"/>
-              <a:t>Sprint 3 – </a:t>
-            </a:r>
-            <a:r>
-              <a:rPr lang="en-US" dirty="0" smtClean="0"/>
-              <a:t>Advertisement</a:t>
-            </a:r>
-            <a:endParaRPr lang="en-US" dirty="0" smtClean="0"/>
-          </a:p>
-          <a:p>
-            <a:r>
-              <a:rPr lang="en-US" dirty="0" smtClean="0"/>
-              <a:t>Q &amp; A - </a:t>
-            </a:r>
-            <a:r>
-              <a:rPr lang="en-US" dirty="0" smtClean="0"/>
-              <a:t>Disruption</a:t>
-            </a:r>
-            <a:endParaRPr lang="en-US" dirty="0" smtClean="0"/>
+              <a:t>Q &amp; A - Disruption</a:t>
+            </a:r>
           </a:p>
         </p:txBody>
       </p:sp>
@@ -4326,11 +4321,7 @@
           <a:p>
             <a:r>
               <a:rPr lang="en-US" sz="2800" dirty="0" smtClean="0"/>
-              <a:t>Daniel </a:t>
-            </a:r>
-            <a:r>
-              <a:rPr lang="en-US" sz="2800" dirty="0" smtClean="0"/>
-              <a:t>Kahn</a:t>
+              <a:t>Daniel Kahn</a:t>
             </a:r>
           </a:p>
           <a:p>
@@ -4464,30 +4455,181 @@
             <a:pPr algn="ctr"/>
             <a:r>
               <a:rPr lang="en-US" b="1" dirty="0" smtClean="0"/>
-              <a:t>Game </a:t>
-            </a:r>
-            <a:r>
-              <a:rPr lang="en-US" b="1" dirty="0" smtClean="0"/>
-              <a:t>Progress Slide</a:t>
+              <a:t>Game Progress Slide</a:t>
             </a:r>
             <a:endParaRPr lang="en-US" dirty="0"/>
           </a:p>
         </p:txBody>
       </p:sp>
-      <p:sp>
-        <p:nvSpPr>
-          <p:cNvPr id="3" name="Content Placeholder 2"/>
-          <p:cNvSpPr>
-            <a:spLocks noGrp="1"/>
-          </p:cNvSpPr>
+      <p:pic>
+        <p:nvPicPr>
+          <p:cNvPr id="1026" name="Picture 2" descr="C:\Users\Wade\Desktop\presentation\BULLETS.jpg"/>
+          <p:cNvPicPr>
+            <a:picLocks noChangeAspect="1" noChangeArrowheads="1"/>
+          </p:cNvPicPr>
+          <p:nvPr/>
+        </p:nvPicPr>
+        <p:blipFill>
+          <a:blip r:embed="rId2" cstate="print"/>
+          <a:srcRect/>
+          <a:stretch>
+            <a:fillRect/>
+          </a:stretch>
+        </p:blipFill>
+        <p:spPr bwMode="auto">
+          <a:xfrm>
+            <a:off x="685800" y="2057400"/>
+            <a:ext cx="2565400" cy="1924050"/>
+          </a:xfrm>
+          <a:prstGeom prst="rect">
+            <a:avLst/>
+          </a:prstGeom>
+          <a:noFill/>
+        </p:spPr>
+      </p:pic>
+      <p:pic>
+        <p:nvPicPr>
+          <p:cNvPr id="1028" name="Picture 4" descr="C:\Users\Wade\Desktop\presentation\yaymap+balls.jpg"/>
+          <p:cNvPicPr>
+            <a:picLocks noGrp="1" noChangeAspect="1" noChangeArrowheads="1"/>
+          </p:cNvPicPr>
           <p:nvPr>
             <p:ph idx="1"/>
           </p:nvPr>
-        </p:nvSpPr>
-        <p:spPr/>
-        <p:txBody>
-          <a:bodyPr/>
-          <a:lstStyle/>
+        </p:nvPicPr>
+        <p:blipFill>
+          <a:blip r:embed="rId3" cstate="print"/>
+          <a:srcRect/>
+          <a:stretch>
+            <a:fillRect/>
+          </a:stretch>
+        </p:blipFill>
+        <p:spPr bwMode="auto">
+          <a:xfrm>
+            <a:off x="5486400" y="1981200"/>
+            <a:ext cx="2743200" cy="2057400"/>
+          </a:xfrm>
+          <a:prstGeom prst="rect">
+            <a:avLst/>
+          </a:prstGeom>
+          <a:noFill/>
+        </p:spPr>
+      </p:pic>
+      <p:pic>
+        <p:nvPicPr>
+          <p:cNvPr id="1029" name="Picture 5" descr="C:\Users\Wade\Desktop\presentation\sprint3.png"/>
+          <p:cNvPicPr>
+            <a:picLocks noChangeAspect="1" noChangeArrowheads="1"/>
+          </p:cNvPicPr>
+          <p:nvPr/>
+        </p:nvPicPr>
+        <p:blipFill>
+          <a:blip r:embed="rId4" cstate="print"/>
+          <a:srcRect/>
+          <a:stretch>
+            <a:fillRect/>
+          </a:stretch>
+        </p:blipFill>
+        <p:spPr bwMode="auto">
+          <a:xfrm>
+            <a:off x="1295400" y="4953000"/>
+            <a:ext cx="2697480" cy="1685925"/>
+          </a:xfrm>
+          <a:prstGeom prst="rect">
+            <a:avLst/>
+          </a:prstGeom>
+          <a:noFill/>
+        </p:spPr>
+      </p:pic>
+      <p:sp>
+        <p:nvSpPr>
+          <p:cNvPr id="8" name="TextBox 7"/>
+          <p:cNvSpPr txBox="1"/>
+          <p:nvPr/>
+        </p:nvSpPr>
+        <p:spPr>
+          <a:xfrm>
+            <a:off x="1295400" y="1600200"/>
+            <a:ext cx="2514600" cy="646331"/>
+          </a:xfrm>
+          <a:prstGeom prst="rect">
+            <a:avLst/>
+          </a:prstGeom>
+          <a:noFill/>
+        </p:spPr>
+        <p:txBody>
+          <a:bodyPr wrap="square" rtlCol="0">
+            <a:spAutoFit/>
+          </a:bodyPr>
+          <a:lstStyle/>
+          <a:p>
+            <a:r>
+              <a:rPr lang="en-US" dirty="0" smtClean="0"/>
+              <a:t>Sprint 1</a:t>
+            </a:r>
+          </a:p>
+          <a:p>
+            <a:endParaRPr lang="en-US" dirty="0"/>
+          </a:p>
+        </p:txBody>
+      </p:sp>
+      <p:sp>
+        <p:nvSpPr>
+          <p:cNvPr id="9" name="TextBox 8"/>
+          <p:cNvSpPr txBox="1"/>
+          <p:nvPr/>
+        </p:nvSpPr>
+        <p:spPr>
+          <a:xfrm>
+            <a:off x="6400800" y="1600200"/>
+            <a:ext cx="1600200" cy="369332"/>
+          </a:xfrm>
+          <a:prstGeom prst="rect">
+            <a:avLst/>
+          </a:prstGeom>
+          <a:noFill/>
+        </p:spPr>
+        <p:txBody>
+          <a:bodyPr wrap="square" rtlCol="0">
+            <a:spAutoFit/>
+          </a:bodyPr>
+          <a:lstStyle/>
+          <a:p>
+            <a:r>
+              <a:rPr lang="en-US" dirty="0" smtClean="0"/>
+              <a:t>Sprint 2</a:t>
+            </a:r>
+            <a:endParaRPr lang="en-US" dirty="0"/>
+          </a:p>
+        </p:txBody>
+      </p:sp>
+      <p:sp>
+        <p:nvSpPr>
+          <p:cNvPr id="10" name="TextBox 9"/>
+          <p:cNvSpPr txBox="1"/>
+          <p:nvPr/>
+        </p:nvSpPr>
+        <p:spPr>
+          <a:xfrm>
+            <a:off x="1981200" y="4572000"/>
+            <a:ext cx="1828800" cy="646331"/>
+          </a:xfrm>
+          <a:prstGeom prst="rect">
+            <a:avLst/>
+          </a:prstGeom>
+          <a:noFill/>
+        </p:spPr>
+        <p:txBody>
+          <a:bodyPr wrap="square" rtlCol="0">
+            <a:spAutoFit/>
+          </a:bodyPr>
+          <a:lstStyle/>
+          <a:p>
+            <a:r>
+              <a:rPr lang="en-US" dirty="0" smtClean="0"/>
+              <a:t>Sprint 3</a:t>
+            </a:r>
+          </a:p>
           <a:p>
             <a:endParaRPr lang="en-US" dirty="0"/>
           </a:p>
@@ -4538,19 +4680,7 @@
             <a:pPr algn="ctr"/>
             <a:r>
               <a:rPr lang="en-US" b="1" dirty="0" smtClean="0"/>
-              <a:t>Tips and </a:t>
-            </a:r>
-            <a:r>
-              <a:rPr lang="en-US" b="1" dirty="0" smtClean="0"/>
-              <a:t>Tricks </a:t>
-            </a:r>
-            <a:r>
-              <a:rPr lang="en-US" b="1" dirty="0" smtClean="0"/>
-              <a:t>S</a:t>
-            </a:r>
-            <a:r>
-              <a:rPr lang="en-US" b="1" dirty="0" smtClean="0"/>
-              <a:t>lide</a:t>
+              <a:t>Tips and Tricks Slide</a:t>
             </a:r>
             <a:endParaRPr lang="en-US" dirty="0"/>
           </a:p>

--- a/Trunk/Battle Cars.pptx
+++ b/Trunk/Battle Cars.pptx
@@ -3719,6 +3719,11 @@
               <a:rPr lang="en-US" sz="1600" dirty="0" smtClean="0"/>
               <a:t>Andy Madruga – </a:t>
             </a:r>
+            <a:r>
+              <a:rPr lang="en-US" sz="1600" dirty="0" smtClean="0"/>
+              <a:t>andym@fullsail.edu</a:t>
+            </a:r>
+            <a:endParaRPr lang="en-US" sz="1600" dirty="0" smtClean="0"/>
           </a:p>
           <a:p>
             <a:pPr algn="ctr"/>

--- a/Trunk/Battle Cars.pptx
+++ b/Trunk/Battle Cars.pptx
@@ -498,7 +498,7 @@
             <a:fld id="{998A6011-2B91-4E05-B7F3-854C9D12BA9E}" type="datetimeFigureOut">
               <a:rPr lang="en-US" smtClean="0"/>
               <a:pPr/>
-              <a:t>7/26/2011</a:t>
+              <a:t>7/28/2011</a:t>
             </a:fld>
             <a:endParaRPr lang="en-US"/>
           </a:p>
@@ -665,7 +665,7 @@
             <a:fld id="{998A6011-2B91-4E05-B7F3-854C9D12BA9E}" type="datetimeFigureOut">
               <a:rPr lang="en-US" smtClean="0"/>
               <a:pPr/>
-              <a:t>7/26/2011</a:t>
+              <a:t>7/28/2011</a:t>
             </a:fld>
             <a:endParaRPr lang="en-US"/>
           </a:p>
@@ -842,7 +842,7 @@
             <a:fld id="{998A6011-2B91-4E05-B7F3-854C9D12BA9E}" type="datetimeFigureOut">
               <a:rPr lang="en-US" smtClean="0"/>
               <a:pPr/>
-              <a:t>7/26/2011</a:t>
+              <a:t>7/28/2011</a:t>
             </a:fld>
             <a:endParaRPr lang="en-US"/>
           </a:p>
@@ -1013,7 +1013,7 @@
             <a:fld id="{998A6011-2B91-4E05-B7F3-854C9D12BA9E}" type="datetimeFigureOut">
               <a:rPr lang="en-US" smtClean="0"/>
               <a:pPr/>
-              <a:t>7/26/2011</a:t>
+              <a:t>7/28/2011</a:t>
             </a:fld>
             <a:endParaRPr lang="en-US"/>
           </a:p>
@@ -1470,7 +1470,7 @@
             <a:fld id="{998A6011-2B91-4E05-B7F3-854C9D12BA9E}" type="datetimeFigureOut">
               <a:rPr lang="en-US" smtClean="0"/>
               <a:pPr/>
-              <a:t>7/26/2011</a:t>
+              <a:t>7/28/2011</a:t>
             </a:fld>
             <a:endParaRPr lang="en-US"/>
           </a:p>
@@ -1736,7 +1736,7 @@
             <a:fld id="{998A6011-2B91-4E05-B7F3-854C9D12BA9E}" type="datetimeFigureOut">
               <a:rPr lang="en-US" smtClean="0"/>
               <a:pPr/>
-              <a:t>7/26/2011</a:t>
+              <a:t>7/28/2011</a:t>
             </a:fld>
             <a:endParaRPr lang="en-US"/>
           </a:p>
@@ -2112,7 +2112,7 @@
             <a:fld id="{998A6011-2B91-4E05-B7F3-854C9D12BA9E}" type="datetimeFigureOut">
               <a:rPr lang="en-US" smtClean="0"/>
               <a:pPr/>
-              <a:t>7/26/2011</a:t>
+              <a:t>7/28/2011</a:t>
             </a:fld>
             <a:endParaRPr lang="en-US"/>
           </a:p>
@@ -2236,7 +2236,7 @@
             <a:fld id="{998A6011-2B91-4E05-B7F3-854C9D12BA9E}" type="datetimeFigureOut">
               <a:rPr lang="en-US" smtClean="0"/>
               <a:pPr/>
-              <a:t>7/26/2011</a:t>
+              <a:t>7/28/2011</a:t>
             </a:fld>
             <a:endParaRPr lang="en-US"/>
           </a:p>
@@ -2328,7 +2328,7 @@
             <a:fld id="{998A6011-2B91-4E05-B7F3-854C9D12BA9E}" type="datetimeFigureOut">
               <a:rPr lang="en-US" smtClean="0"/>
               <a:pPr/>
-              <a:t>7/26/2011</a:t>
+              <a:t>7/28/2011</a:t>
             </a:fld>
             <a:endParaRPr lang="en-US"/>
           </a:p>
@@ -2579,7 +2579,7 @@
             <a:fld id="{998A6011-2B91-4E05-B7F3-854C9D12BA9E}" type="datetimeFigureOut">
               <a:rPr lang="en-US" smtClean="0"/>
               <a:pPr/>
-              <a:t>7/26/2011</a:t>
+              <a:t>7/28/2011</a:t>
             </a:fld>
             <a:endParaRPr lang="en-US"/>
           </a:p>
@@ -2840,7 +2840,7 @@
             <a:fld id="{998A6011-2B91-4E05-B7F3-854C9D12BA9E}" type="datetimeFigureOut">
               <a:rPr lang="en-US" smtClean="0"/>
               <a:pPr/>
-              <a:t>7/26/2011</a:t>
+              <a:t>7/28/2011</a:t>
             </a:fld>
             <a:endParaRPr lang="en-US"/>
           </a:p>
@@ -3246,7 +3246,7 @@
             <a:fld id="{998A6011-2B91-4E05-B7F3-854C9D12BA9E}" type="datetimeFigureOut">
               <a:rPr lang="en-US" smtClean="0"/>
               <a:pPr/>
-              <a:t>7/26/2011</a:t>
+              <a:t>7/28/2011</a:t>
             </a:fld>
             <a:endParaRPr lang="en-US"/>
           </a:p>
@@ -3717,13 +3717,8 @@
             <a:pPr algn="ctr"/>
             <a:r>
               <a:rPr lang="en-US" sz="1600" dirty="0" smtClean="0"/>
-              <a:t>Andy Madruga – </a:t>
-            </a:r>
-            <a:r>
-              <a:rPr lang="en-US" sz="1600" dirty="0" smtClean="0"/>
-              <a:t>andym@fullsail.edu</a:t>
-            </a:r>
-            <a:endParaRPr lang="en-US" sz="1600" dirty="0" smtClean="0"/>
+              <a:t>Andy Madruga – andym@fullsail.edu</a:t>
+            </a:r>
           </a:p>
           <a:p>
             <a:pPr algn="ctr"/>
@@ -4216,8 +4211,92 @@
         </p:nvSpPr>
         <p:spPr/>
         <p:txBody>
-          <a:bodyPr/>
-          <a:lstStyle/>
+          <a:bodyPr>
+            <a:normAutofit fontScale="85000" lnSpcReduction="20000"/>
+          </a:bodyPr>
+          <a:lstStyle/>
+          <a:p>
+            <a:pPr lvl="0">
+              <a:buNone/>
+            </a:pPr>
+            <a:r>
+              <a:rPr kumimoji="0" lang="en-US" sz="3000" b="0" i="0" u="none" strike="noStrike" kern="1200" dirty="0" smtClean="0">
+                <a:solidFill>
+                  <a:schemeClr val="tx1"/>
+                </a:solidFill>
+                <a:latin typeface="+mn-lt"/>
+                <a:ea typeface="+mn-ea"/>
+                <a:cs typeface="+mn-cs"/>
+              </a:rPr>
+              <a:t>         In a post apocalyptic world the player must battle his way to the top, unlocking new</a:t>
+            </a:r>
+            <a:r>
+              <a:rPr kumimoji="0" lang="en-US" sz="3000" b="0" i="0" u="none" strike="noStrike" kern="1200" baseline="0" dirty="0" smtClean="0">
+                <a:solidFill>
+                  <a:schemeClr val="tx1"/>
+                </a:solidFill>
+                <a:latin typeface="+mn-lt"/>
+                <a:ea typeface="+mn-ea"/>
+                <a:cs typeface="+mn-cs"/>
+              </a:rPr>
+              <a:t> </a:t>
+            </a:r>
+            <a:r>
+              <a:rPr kumimoji="0" lang="en-US" sz="3000" b="0" i="0" u="none" strike="noStrike" kern="1200" dirty="0" smtClean="0">
+                <a:solidFill>
+                  <a:schemeClr val="tx1"/>
+                </a:solidFill>
+                <a:latin typeface="+mn-lt"/>
+                <a:ea typeface="+mn-ea"/>
+                <a:cs typeface="+mn-cs"/>
+              </a:rPr>
+              <a:t>challenges and cars. Choose from a selection of unlocked cars to battle through the</a:t>
+            </a:r>
+            <a:r>
+              <a:rPr kumimoji="0" lang="en-US" sz="3000" b="0" i="0" u="none" strike="noStrike" kern="1200" baseline="0" dirty="0" smtClean="0">
+                <a:solidFill>
+                  <a:schemeClr val="tx1"/>
+                </a:solidFill>
+                <a:latin typeface="+mn-lt"/>
+                <a:ea typeface="+mn-ea"/>
+                <a:cs typeface="+mn-cs"/>
+              </a:rPr>
+              <a:t> </a:t>
+            </a:r>
+            <a:r>
+              <a:rPr kumimoji="0" lang="en-US" sz="3000" b="0" i="0" u="none" strike="noStrike" kern="1200" dirty="0" smtClean="0">
+                <a:solidFill>
+                  <a:schemeClr val="tx1"/>
+                </a:solidFill>
+                <a:latin typeface="+mn-lt"/>
+                <a:ea typeface="+mn-ea"/>
+                <a:cs typeface="+mn-cs"/>
+              </a:rPr>
+              <a:t>game, each with their own unique stats and special ability. Collect parts, complete</a:t>
+            </a:r>
+            <a:r>
+              <a:rPr kumimoji="0" lang="en-US" sz="3000" b="0" i="0" u="none" strike="noStrike" kern="1200" baseline="0" dirty="0" smtClean="0">
+                <a:solidFill>
+                  <a:schemeClr val="tx1"/>
+                </a:solidFill>
+                <a:latin typeface="+mn-lt"/>
+                <a:ea typeface="+mn-ea"/>
+                <a:cs typeface="+mn-cs"/>
+              </a:rPr>
+              <a:t> </a:t>
+            </a:r>
+            <a:r>
+              <a:rPr kumimoji="0" lang="en-US" sz="3000" b="0" i="0" u="none" strike="noStrike" kern="1200" dirty="0" smtClean="0">
+                <a:solidFill>
+                  <a:schemeClr val="tx1"/>
+                </a:solidFill>
+                <a:latin typeface="+mn-lt"/>
+                <a:ea typeface="+mn-ea"/>
+                <a:cs typeface="+mn-cs"/>
+              </a:rPr>
+              <a:t>time trials, or just battle to the death, its your choice.</a:t>
+            </a:r>
+          </a:p>
           <a:p>
             <a:endParaRPr lang="en-US" dirty="0" smtClean="0"/>
           </a:p>
@@ -4242,8 +4321,9 @@
           <a:p>
             <a:r>
               <a:rPr lang="en-US" dirty="0" smtClean="0"/>
-              <a:t>Q &amp; A - Disruption</a:t>
-            </a:r>
+              <a:t>Sprint 4 - Disruption</a:t>
+            </a:r>
+            <a:endParaRPr lang="en-US" dirty="0" smtClean="0"/>
           </a:p>
         </p:txBody>
       </p:sp>
@@ -4308,7 +4388,9 @@
         </p:nvSpPr>
         <p:spPr/>
         <p:txBody>
-          <a:bodyPr/>
+          <a:bodyPr>
+            <a:normAutofit fontScale="85000" lnSpcReduction="20000"/>
+          </a:bodyPr>
           <a:lstStyle/>
           <a:p>
             <a:r>
@@ -4320,8 +4402,35 @@
             <a:pPr lvl="1"/>
             <a:r>
               <a:rPr lang="en-US" dirty="0" smtClean="0"/>
-              <a:t>Particle Editor/Engine</a:t>
-            </a:r>
+              <a:t>Particle </a:t>
+            </a:r>
+            <a:r>
+              <a:rPr lang="en-US" dirty="0" smtClean="0"/>
+              <a:t>Editor/Engine</a:t>
+            </a:r>
+          </a:p>
+          <a:p>
+            <a:pPr lvl="1"/>
+            <a:r>
+              <a:rPr lang="en-US" dirty="0" smtClean="0"/>
+              <a:t>Profiles</a:t>
+            </a:r>
+          </a:p>
+          <a:p>
+            <a:pPr lvl="1"/>
+            <a:r>
+              <a:rPr lang="en-US" dirty="0" err="1" smtClean="0"/>
+              <a:t>TimeChallenge</a:t>
+            </a:r>
+            <a:endParaRPr lang="en-US" dirty="0" smtClean="0"/>
+          </a:p>
+          <a:p>
+            <a:pPr lvl="1"/>
+            <a:r>
+              <a:rPr lang="en-US" dirty="0" smtClean="0"/>
+              <a:t>Levels and Menus</a:t>
+            </a:r>
+            <a:endParaRPr lang="en-US" dirty="0" smtClean="0"/>
           </a:p>
           <a:p>
             <a:r>
@@ -4337,6 +4446,28 @@
             </a:r>
           </a:p>
           <a:p>
+            <a:pPr lvl="1"/>
+            <a:r>
+              <a:rPr lang="en-US" sz="2400" dirty="0" smtClean="0"/>
+              <a:t>Arcade Build</a:t>
+            </a:r>
+          </a:p>
+          <a:p>
+            <a:pPr lvl="1"/>
+            <a:r>
+              <a:rPr lang="en-US" sz="2400" dirty="0" smtClean="0"/>
+              <a:t>Tutorial</a:t>
+            </a:r>
+          </a:p>
+          <a:p>
+            <a:pPr lvl="1"/>
+            <a:r>
+              <a:rPr lang="en-US" sz="2400" dirty="0" smtClean="0"/>
+              <a:t>Levels</a:t>
+            </a:r>
+            <a:endParaRPr lang="en-US" sz="2400" dirty="0" smtClean="0"/>
+          </a:p>
+          <a:p>
             <a:r>
               <a:rPr lang="en-US" sz="2800" dirty="0" smtClean="0"/>
               <a:t>John </a:t>
@@ -4355,6 +4486,21 @@
             </a:r>
           </a:p>
           <a:p>
+            <a:pPr lvl="1"/>
+            <a:r>
+              <a:rPr lang="en-US" dirty="0" smtClean="0"/>
+              <a:t>Collection Mode</a:t>
+            </a:r>
+          </a:p>
+          <a:p>
+            <a:pPr lvl="1"/>
+            <a:r>
+              <a:rPr lang="en-US" dirty="0" smtClean="0"/>
+              <a:t>Levels</a:t>
+            </a:r>
+            <a:endParaRPr lang="en-US" dirty="0" smtClean="0"/>
+          </a:p>
+          <a:p>
             <a:endParaRPr lang="en-US" dirty="0"/>
           </a:p>
         </p:txBody>
@@ -4371,7 +4517,9 @@
         </p:nvSpPr>
         <p:spPr/>
         <p:txBody>
-          <a:bodyPr/>
+          <a:bodyPr>
+            <a:normAutofit fontScale="85000" lnSpcReduction="20000"/>
+          </a:bodyPr>
           <a:lstStyle/>
           <a:p>
             <a:r>
@@ -4397,8 +4545,27 @@
             <a:pPr lvl="1"/>
             <a:r>
               <a:rPr lang="en-US" dirty="0" smtClean="0"/>
-              <a:t>Events &amp; Messages</a:t>
-            </a:r>
+              <a:t>Events &amp; </a:t>
+            </a:r>
+            <a:r>
+              <a:rPr lang="en-US" dirty="0" smtClean="0"/>
+              <a:t>Messages</a:t>
+            </a:r>
+          </a:p>
+          <a:p>
+            <a:pPr lvl="1"/>
+            <a:r>
+              <a:rPr lang="en-US" dirty="0" smtClean="0"/>
+              <a:t>Collection Mode</a:t>
+            </a:r>
+          </a:p>
+          <a:p>
+            <a:pPr lvl="1"/>
+            <a:r>
+              <a:rPr lang="en-US" dirty="0" smtClean="0"/>
+              <a:t>Levels</a:t>
+            </a:r>
+            <a:endParaRPr lang="en-US" dirty="0" smtClean="0"/>
           </a:p>
           <a:p>
             <a:r>
@@ -4410,8 +4577,45 @@
             <a:pPr lvl="1"/>
             <a:r>
               <a:rPr lang="en-US" dirty="0" smtClean="0"/>
+              <a:t>Core</a:t>
+            </a:r>
+          </a:p>
+          <a:p>
+            <a:pPr lvl="1"/>
+            <a:r>
+              <a:rPr lang="en-US" dirty="0" smtClean="0"/>
               <a:t>Car Physics</a:t>
             </a:r>
+          </a:p>
+          <a:p>
+            <a:pPr lvl="1"/>
+            <a:r>
+              <a:rPr lang="en-US" dirty="0" smtClean="0"/>
+              <a:t>Input</a:t>
+            </a:r>
+          </a:p>
+          <a:p>
+            <a:pPr lvl="1"/>
+            <a:r>
+              <a:rPr lang="en-US" dirty="0" smtClean="0"/>
+              <a:t>Obstacles</a:t>
+            </a:r>
+          </a:p>
+          <a:p>
+            <a:pPr lvl="1"/>
+            <a:r>
+              <a:rPr lang="en-US" dirty="0" err="1" smtClean="0"/>
+              <a:t>DeathMatch</a:t>
+            </a:r>
+            <a:endParaRPr lang="en-US" dirty="0" smtClean="0"/>
+          </a:p>
+          <a:p>
+            <a:pPr lvl="1"/>
+            <a:r>
+              <a:rPr lang="en-US" dirty="0" smtClean="0"/>
+              <a:t>Levels and Menus</a:t>
+            </a:r>
+            <a:endParaRPr lang="en-US" dirty="0" smtClean="0"/>
           </a:p>
         </p:txBody>
       </p:sp>
@@ -4640,6 +4844,62 @@
           </a:p>
         </p:txBody>
       </p:sp>
+      <p:pic>
+        <p:nvPicPr>
+          <p:cNvPr id="1027" name="Picture 3" descr="C:\Fraps\Screenshots\Gold.bmp"/>
+          <p:cNvPicPr>
+            <a:picLocks noChangeAspect="1" noChangeArrowheads="1"/>
+          </p:cNvPicPr>
+          <p:nvPr/>
+        </p:nvPicPr>
+        <p:blipFill>
+          <a:blip r:embed="rId5" cstate="print"/>
+          <a:srcRect/>
+          <a:stretch>
+            <a:fillRect/>
+          </a:stretch>
+        </p:blipFill>
+        <p:spPr bwMode="auto">
+          <a:xfrm>
+            <a:off x="5105400" y="4876800"/>
+            <a:ext cx="2895600" cy="1785711"/>
+          </a:xfrm>
+          <a:prstGeom prst="rect">
+            <a:avLst/>
+          </a:prstGeom>
+          <a:noFill/>
+        </p:spPr>
+      </p:pic>
+      <p:sp>
+        <p:nvSpPr>
+          <p:cNvPr id="12" name="TextBox 11"/>
+          <p:cNvSpPr txBox="1"/>
+          <p:nvPr/>
+        </p:nvSpPr>
+        <p:spPr>
+          <a:xfrm>
+            <a:off x="5791200" y="4495800"/>
+            <a:ext cx="1531188" cy="369332"/>
+          </a:xfrm>
+          <a:prstGeom prst="rect">
+            <a:avLst/>
+          </a:prstGeom>
+          <a:noFill/>
+        </p:spPr>
+        <p:txBody>
+          <a:bodyPr wrap="none" rtlCol="0">
+            <a:spAutoFit/>
+          </a:bodyPr>
+          <a:lstStyle/>
+          <a:p>
+            <a:r>
+              <a:rPr lang="en-US" dirty="0" smtClean="0"/>
+              <a:t>Gold/Sprint 4</a:t>
+            </a:r>
+            <a:endParaRPr lang="en-US" dirty="0"/>
+          </a:p>
+        </p:txBody>
+      </p:sp>
     </p:spTree>
   </p:cSld>
   <p:clrMapOvr>
@@ -4714,8 +4974,25 @@
           <a:p>
             <a:r>
               <a:rPr lang="en-US" dirty="0" smtClean="0"/>
-              <a:t>Be aware of your limits and capabilities</a:t>
-            </a:r>
+              <a:t>Be aware of your limits and </a:t>
+            </a:r>
+            <a:r>
+              <a:rPr lang="en-US" dirty="0" smtClean="0"/>
+              <a:t>capabilities</a:t>
+            </a:r>
+          </a:p>
+          <a:p>
+            <a:r>
+              <a:rPr lang="en-US" dirty="0" smtClean="0"/>
+              <a:t>Do not change others code without consulting with them.</a:t>
+            </a:r>
+          </a:p>
+          <a:p>
+            <a:r>
+              <a:rPr lang="en-US" dirty="0" smtClean="0"/>
+              <a:t>Do not have unnecessary arguments.</a:t>
+            </a:r>
+            <a:endParaRPr lang="en-US" dirty="0" smtClean="0"/>
           </a:p>
           <a:p>
             <a:endParaRPr lang="en-US" dirty="0"/>
@@ -4786,6 +5063,32 @@
           <a:bodyPr/>
           <a:lstStyle/>
           <a:p>
+            <a:r>
+              <a:rPr lang="en-US" dirty="0" smtClean="0"/>
+              <a:t>Team was very producti</a:t>
+            </a:r>
+            <a:r>
+              <a:rPr lang="en-US" dirty="0" smtClean="0"/>
+              <a:t>ve at meetings.</a:t>
+            </a:r>
+          </a:p>
+          <a:p>
+            <a:r>
+              <a:rPr lang="en-US" dirty="0" smtClean="0"/>
+              <a:t>Picked up a new team member.</a:t>
+            </a:r>
+          </a:p>
+          <a:p>
+            <a:r>
+              <a:rPr lang="en-US" dirty="0" smtClean="0"/>
+              <a:t>Communication between teammates</a:t>
+            </a:r>
+          </a:p>
+          <a:p>
+            <a:r>
+              <a:rPr lang="en-US" dirty="0" smtClean="0"/>
+              <a:t>User stories finished on time.</a:t>
+            </a:r>
             <a:endParaRPr lang="en-US" dirty="0"/>
           </a:p>
         </p:txBody>
@@ -4868,8 +5171,19 @@
           <a:p>
             <a:r>
               <a:rPr lang="en-US" dirty="0" smtClean="0"/>
-              <a:t>Collision Physics</a:t>
-            </a:r>
+              <a:t>Collision </a:t>
+            </a:r>
+            <a:r>
+              <a:rPr lang="en-US" dirty="0" smtClean="0"/>
+              <a:t>Physics</a:t>
+            </a:r>
+          </a:p>
+          <a:p>
+            <a:r>
+              <a:rPr lang="en-US" dirty="0" smtClean="0"/>
+              <a:t>Team Arguments</a:t>
+            </a:r>
+            <a:endParaRPr lang="en-US" dirty="0" smtClean="0"/>
           </a:p>
           <a:p>
             <a:endParaRPr lang="en-US" dirty="0" smtClean="0"/>

--- a/Trunk/Battle Cars.pptx
+++ b/Trunk/Battle Cars.pptx
@@ -3746,15 +3746,33 @@
             </a:r>
             <a:r>
               <a:rPr lang="en-US" sz="1600" dirty="0" smtClean="0"/>
-              <a:t> –</a:t>
-            </a:r>
+              <a:t> </a:t>
+            </a:r>
+            <a:r>
+              <a:rPr lang="en-US" sz="1600" dirty="0" smtClean="0"/>
+              <a:t>– JohnRostick@gmail.com</a:t>
+            </a:r>
+            <a:endParaRPr lang="en-US" sz="1600" dirty="0" smtClean="0"/>
           </a:p>
           <a:p>
             <a:pPr algn="ctr"/>
             <a:r>
               <a:rPr lang="en-US" sz="1600" dirty="0" smtClean="0"/>
-              <a:t>Wade Shwallon –</a:t>
-            </a:r>
+              <a:t>Wade </a:t>
+            </a:r>
+            <a:r>
+              <a:rPr lang="en-US" sz="1600" dirty="0" err="1" smtClean="0"/>
+              <a:t>Shwallon</a:t>
+            </a:r>
+            <a:r>
+              <a:rPr lang="en-US" sz="1600" dirty="0" smtClean="0"/>
+              <a:t> </a:t>
+            </a:r>
+            <a:r>
+              <a:rPr lang="en-US" sz="1600" smtClean="0"/>
+              <a:t>– wadeshwallon@gmail.com</a:t>
+            </a:r>
+            <a:endParaRPr lang="en-US" sz="1600" dirty="0" smtClean="0"/>
           </a:p>
           <a:p>
             <a:pPr algn="ctr"/>
@@ -4323,7 +4341,6 @@
               <a:rPr lang="en-US" dirty="0" smtClean="0"/>
               <a:t>Sprint 4 - Disruption</a:t>
             </a:r>
-            <a:endParaRPr lang="en-US" dirty="0" smtClean="0"/>
           </a:p>
         </p:txBody>
       </p:sp>
@@ -4402,11 +4419,7 @@
             <a:pPr lvl="1"/>
             <a:r>
               <a:rPr lang="en-US" dirty="0" smtClean="0"/>
-              <a:t>Particle </a:t>
-            </a:r>
-            <a:r>
-              <a:rPr lang="en-US" dirty="0" smtClean="0"/>
-              <a:t>Editor/Engine</a:t>
+              <a:t>Particle Editor/Engine</a:t>
             </a:r>
           </a:p>
           <a:p>
@@ -4430,7 +4443,6 @@
               <a:rPr lang="en-US" dirty="0" smtClean="0"/>
               <a:t>Levels and Menus</a:t>
             </a:r>
-            <a:endParaRPr lang="en-US" dirty="0" smtClean="0"/>
           </a:p>
           <a:p>
             <a:r>
@@ -4465,7 +4477,6 @@
               <a:rPr lang="en-US" sz="2400" dirty="0" smtClean="0"/>
               <a:t>Levels</a:t>
             </a:r>
-            <a:endParaRPr lang="en-US" sz="2400" dirty="0" smtClean="0"/>
           </a:p>
           <a:p>
             <a:r>
@@ -4498,7 +4509,6 @@
               <a:rPr lang="en-US" dirty="0" smtClean="0"/>
               <a:t>Levels</a:t>
             </a:r>
-            <a:endParaRPr lang="en-US" dirty="0" smtClean="0"/>
           </a:p>
           <a:p>
             <a:endParaRPr lang="en-US" dirty="0"/>
@@ -4545,11 +4555,7 @@
             <a:pPr lvl="1"/>
             <a:r>
               <a:rPr lang="en-US" dirty="0" smtClean="0"/>
-              <a:t>Events &amp; </a:t>
-            </a:r>
-            <a:r>
-              <a:rPr lang="en-US" dirty="0" smtClean="0"/>
-              <a:t>Messages</a:t>
+              <a:t>Events &amp; Messages</a:t>
             </a:r>
           </a:p>
           <a:p>
@@ -4565,7 +4571,6 @@
               <a:rPr lang="en-US" dirty="0" smtClean="0"/>
               <a:t>Levels</a:t>
             </a:r>
-            <a:endParaRPr lang="en-US" dirty="0" smtClean="0"/>
           </a:p>
           <a:p>
             <a:r>
@@ -4615,7 +4620,6 @@
               <a:rPr lang="en-US" dirty="0" smtClean="0"/>
               <a:t>Levels and Menus</a:t>
             </a:r>
-            <a:endParaRPr lang="en-US" dirty="0" smtClean="0"/>
           </a:p>
         </p:txBody>
       </p:sp>
@@ -4974,11 +4978,7 @@
           <a:p>
             <a:r>
               <a:rPr lang="en-US" dirty="0" smtClean="0"/>
-              <a:t>Be aware of your limits and </a:t>
-            </a:r>
-            <a:r>
-              <a:rPr lang="en-US" dirty="0" smtClean="0"/>
-              <a:t>capabilities</a:t>
+              <a:t>Be aware of your limits and capabilities</a:t>
             </a:r>
           </a:p>
           <a:p>
@@ -4992,7 +4992,6 @@
               <a:rPr lang="en-US" dirty="0" smtClean="0"/>
               <a:t>Do not have unnecessary arguments.</a:t>
             </a:r>
-            <a:endParaRPr lang="en-US" dirty="0" smtClean="0"/>
           </a:p>
           <a:p>
             <a:endParaRPr lang="en-US" dirty="0"/>
@@ -5065,11 +5064,7 @@
           <a:p>
             <a:r>
               <a:rPr lang="en-US" dirty="0" smtClean="0"/>
-              <a:t>Team was very producti</a:t>
-            </a:r>
-            <a:r>
-              <a:rPr lang="en-US" dirty="0" smtClean="0"/>
-              <a:t>ve at meetings.</a:t>
+              <a:t>Team was very productive at meetings.</a:t>
             </a:r>
           </a:p>
           <a:p>
@@ -5171,11 +5166,7 @@
           <a:p>
             <a:r>
               <a:rPr lang="en-US" dirty="0" smtClean="0"/>
-              <a:t>Collision </a:t>
-            </a:r>
-            <a:r>
-              <a:rPr lang="en-US" dirty="0" smtClean="0"/>
-              <a:t>Physics</a:t>
+              <a:t>Collision Physics</a:t>
             </a:r>
           </a:p>
           <a:p>
@@ -5183,7 +5174,6 @@
               <a:rPr lang="en-US" dirty="0" smtClean="0"/>
               <a:t>Team Arguments</a:t>
             </a:r>
-            <a:endParaRPr lang="en-US" dirty="0" smtClean="0"/>
           </a:p>
           <a:p>
             <a:endParaRPr lang="en-US" dirty="0" smtClean="0"/>
